--- a/Grievances' Importance Prediction.pptx
+++ b/Grievances' Importance Prediction.pptx
@@ -13,6 +13,11 @@
     <p:sldId id="261" r:id="rId7"/>
     <p:sldId id="262" r:id="rId8"/>
     <p:sldId id="263" r:id="rId9"/>
+    <p:sldId id="264" r:id="rId10"/>
+    <p:sldId id="265" r:id="rId11"/>
+    <p:sldId id="266" r:id="rId12"/>
+    <p:sldId id="267" r:id="rId13"/>
+    <p:sldId id="269" r:id="rId14"/>
   </p:sldIdLst>
   <p:sldSz cx="12192000" cy="6858000"/>
   <p:notesSz cx="6858000" cy="9144000"/>
@@ -111,6 +116,11 @@
       </a:defRPr>
     </a:lvl9pPr>
   </p:defaultTextStyle>
+  <p:extLst>
+    <p:ext uri="{EFAFB233-063F-42B5-8137-9DF3F51BA10A}">
+      <p15:sldGuideLst xmlns:p15="http://schemas.microsoft.com/office/powerpoint/2012/main"/>
+    </p:ext>
+  </p:extLst>
 </p:presentation>
 </file>
 
@@ -209,7 +219,7 @@
           <a:effectLst/>
           <a:extLst>
             <a:ext uri="{91240B29-F687-4f45-9708-019B960494DF}">
-              <a14:hiddenLine xmlns:a14="http://schemas.microsoft.com/office/drawing/2010/main" xmlns="" w="9525">
+              <a14:hiddenLine xmlns="" xmlns:a14="http://schemas.microsoft.com/office/drawing/2010/main" w="9525">
                 <a:solidFill>
                   <a:srgbClr val="000000"/>
                 </a:solidFill>
@@ -402,7 +412,7 @@
             <a:fld id="{08B9EBBA-996F-894A-B54A-D6246ED52CEA}" type="datetimeFigureOut">
               <a:rPr lang="en-US" dirty="0"/>
               <a:pPr/>
-              <a:t>1/15/2021</a:t>
+              <a:t>1/16/2021</a:t>
             </a:fld>
             <a:endParaRPr lang="en-US" dirty="0"/>
           </a:p>
@@ -717,7 +727,7 @@
             <a:fld id="{18C79C5D-2A6F-F04D-97DA-BEF2467B64E4}" type="datetimeFigureOut">
               <a:rPr lang="en-US" dirty="0"/>
               <a:pPr/>
-              <a:t>1/15/2021</a:t>
+              <a:t>1/16/2021</a:t>
             </a:fld>
             <a:endParaRPr lang="en-US" dirty="0"/>
           </a:p>
@@ -1202,7 +1212,7 @@
             <a:fld id="{8DFA1846-DA80-1C48-A609-854EA85C59AD}" type="datetimeFigureOut">
               <a:rPr lang="en-US" dirty="0"/>
               <a:pPr/>
-              <a:t>1/15/2021</a:t>
+              <a:t>1/16/2021</a:t>
             </a:fld>
             <a:endParaRPr lang="en-US" dirty="0"/>
           </a:p>
@@ -1568,7 +1578,7 @@
             <a:fld id="{FBF54567-0DE4-3F47-BF90-CB84690072F9}" type="datetimeFigureOut">
               <a:rPr lang="en-US" dirty="0"/>
               <a:pPr/>
-              <a:t>1/15/2021</a:t>
+              <a:t>1/16/2021</a:t>
             </a:fld>
             <a:endParaRPr lang="en-US" dirty="0"/>
           </a:p>
@@ -1719,7 +1729,7 @@
           <a:ln/>
           <a:extLst>
             <a:ext uri="{91240B29-F687-4f45-9708-019B960494DF}">
-              <a14:hiddenLine xmlns:a14="http://schemas.microsoft.com/office/drawing/2010/main" xmlns="" w="9525">
+              <a14:hiddenLine xmlns="" xmlns:a14="http://schemas.microsoft.com/office/drawing/2010/main" w="9525">
                 <a:solidFill>
                   <a:srgbClr val="000000"/>
                 </a:solidFill>
@@ -1838,7 +1848,7 @@
             <a:fld id="{C6C52C72-DE31-F449-A4ED-4C594FD91407}" type="datetimeFigureOut">
               <a:rPr lang="en-US" dirty="0"/>
               <a:pPr/>
-              <a:t>1/15/2021</a:t>
+              <a:t>1/16/2021</a:t>
             </a:fld>
             <a:endParaRPr lang="en-US" dirty="0"/>
           </a:p>
@@ -1991,7 +2001,7 @@
           <a:ln/>
           <a:extLst>
             <a:ext uri="{91240B29-F687-4f45-9708-019B960494DF}">
-              <a14:hiddenLine xmlns:a14="http://schemas.microsoft.com/office/drawing/2010/main" xmlns="" w="9525">
+              <a14:hiddenLine xmlns="" xmlns:a14="http://schemas.microsoft.com/office/drawing/2010/main" w="9525">
                 <a:solidFill>
                   <a:srgbClr val="000000"/>
                 </a:solidFill>
@@ -2120,7 +2130,7 @@
             <a:fld id="{ED62726E-379B-B349-9EED-81ED093FA806}" type="datetimeFigureOut">
               <a:rPr lang="en-US" dirty="0"/>
               <a:pPr/>
-              <a:t>1/15/2021</a:t>
+              <a:t>1/16/2021</a:t>
             </a:fld>
             <a:endParaRPr lang="en-US" dirty="0"/>
           </a:p>
@@ -2271,7 +2281,7 @@
           <a:ln/>
           <a:extLst>
             <a:ext uri="{91240B29-F687-4f45-9708-019B960494DF}">
-              <a14:hiddenLine xmlns:a14="http://schemas.microsoft.com/office/drawing/2010/main" xmlns="" w="9525">
+              <a14:hiddenLine xmlns="" xmlns:a14="http://schemas.microsoft.com/office/drawing/2010/main" w="9525">
                 <a:solidFill>
                   <a:srgbClr val="000000"/>
                 </a:solidFill>
@@ -2400,7 +2410,7 @@
             <a:fld id="{9B3A1323-8D79-1946-B0D7-40001CF92E9D}" type="datetimeFigureOut">
               <a:rPr lang="en-US" dirty="0"/>
               <a:pPr/>
-              <a:t>1/15/2021</a:t>
+              <a:t>1/16/2021</a:t>
             </a:fld>
             <a:endParaRPr lang="en-US" dirty="0"/>
           </a:p>
@@ -2740,7 +2750,7 @@
             <a:fld id="{8DFA1846-DA80-1C48-A609-854EA85C59AD}" type="datetimeFigureOut">
               <a:rPr lang="en-US" dirty="0"/>
               <a:pPr/>
-              <a:t>1/15/2021</a:t>
+              <a:t>1/16/2021</a:t>
             </a:fld>
             <a:endParaRPr lang="en-US" dirty="0"/>
           </a:p>
@@ -2891,7 +2901,7 @@
           <a:ln/>
           <a:extLst>
             <a:ext uri="{91240B29-F687-4f45-9708-019B960494DF}">
-              <a14:hiddenLine xmlns:a14="http://schemas.microsoft.com/office/drawing/2010/main" xmlns="" w="9525">
+              <a14:hiddenLine xmlns="" xmlns:a14="http://schemas.microsoft.com/office/drawing/2010/main" w="9525">
                 <a:solidFill>
                   <a:srgbClr val="000000"/>
                 </a:solidFill>
@@ -3076,7 +3086,7 @@
             <a:fld id="{57302355-E14B-8545-A8F8-0FE83CC9D524}" type="datetimeFigureOut">
               <a:rPr lang="en-US" dirty="0"/>
               <a:pPr/>
-              <a:t>1/15/2021</a:t>
+              <a:t>1/16/2021</a:t>
             </a:fld>
             <a:endParaRPr lang="en-US" dirty="0"/>
           </a:p>
@@ -3227,7 +3237,7 @@
           <a:ln/>
           <a:extLst>
             <a:ext uri="{91240B29-F687-4f45-9708-019B960494DF}">
-              <a14:hiddenLine xmlns:a14="http://schemas.microsoft.com/office/drawing/2010/main" xmlns="" w="9525">
+              <a14:hiddenLine xmlns="" xmlns:a14="http://schemas.microsoft.com/office/drawing/2010/main" w="9525">
                 <a:solidFill>
                   <a:srgbClr val="000000"/>
                 </a:solidFill>
@@ -3550,7 +3560,7 @@
             <a:fld id="{02640F58-564D-2B4F-AE67-E407BA4FCF45}" type="datetimeFigureOut">
               <a:rPr lang="en-US" dirty="0"/>
               <a:pPr/>
-              <a:t>1/15/2021</a:t>
+              <a:t>1/16/2021</a:t>
             </a:fld>
             <a:endParaRPr lang="en-US" dirty="0"/>
           </a:p>
@@ -3701,7 +3711,7 @@
           <a:ln/>
           <a:extLst>
             <a:ext uri="{91240B29-F687-4f45-9708-019B960494DF}">
-              <a14:hiddenLine xmlns:a14="http://schemas.microsoft.com/office/drawing/2010/main" xmlns="" w="9525">
+              <a14:hiddenLine xmlns="" xmlns:a14="http://schemas.microsoft.com/office/drawing/2010/main" w="9525">
                 <a:solidFill>
                   <a:srgbClr val="000000"/>
                 </a:solidFill>
@@ -3768,7 +3778,7 @@
             <a:fld id="{F13A34C8-038E-2045-AF43-DF7DBB8E0E9E}" type="datetimeFigureOut">
               <a:rPr lang="en-US" dirty="0"/>
               <a:pPr/>
-              <a:t>1/15/2021</a:t>
+              <a:t>1/16/2021</a:t>
             </a:fld>
             <a:endParaRPr lang="en-US" dirty="0"/>
           </a:p>
@@ -3860,7 +3870,7 @@
             <a:fld id="{8818C68F-D26B-8F47-958C-23B49CF8A634}" type="datetimeFigureOut">
               <a:rPr lang="en-US" dirty="0"/>
               <a:pPr/>
-              <a:t>1/15/2021</a:t>
+              <a:t>1/16/2021</a:t>
             </a:fld>
             <a:endParaRPr lang="en-US" dirty="0"/>
           </a:p>
@@ -4124,7 +4134,7 @@
           <a:ln/>
           <a:extLst>
             <a:ext uri="{91240B29-F687-4f45-9708-019B960494DF}">
-              <a14:hiddenLine xmlns:a14="http://schemas.microsoft.com/office/drawing/2010/main" xmlns="" w="9525">
+              <a14:hiddenLine xmlns="" xmlns:a14="http://schemas.microsoft.com/office/drawing/2010/main" w="9525">
                 <a:solidFill>
                   <a:srgbClr val="000000"/>
                 </a:solidFill>
@@ -4324,7 +4334,7 @@
             <a:fld id="{D0DF5E60-9974-AC48-9591-99C2BB44B7CF}" type="datetimeFigureOut">
               <a:rPr lang="en-US" dirty="0"/>
               <a:pPr/>
-              <a:t>1/15/2021</a:t>
+              <a:t>1/16/2021</a:t>
             </a:fld>
             <a:endParaRPr lang="en-US" dirty="0"/>
           </a:p>
@@ -4634,7 +4644,7 @@
             <a:fld id="{18C79C5D-2A6F-F04D-97DA-BEF2467B64E4}" type="datetimeFigureOut">
               <a:rPr lang="en-US" dirty="0"/>
               <a:pPr/>
-              <a:t>1/15/2021</a:t>
+              <a:t>1/16/2021</a:t>
             </a:fld>
             <a:endParaRPr lang="en-US" dirty="0"/>
           </a:p>
@@ -4901,7 +4911,7 @@
             <a:fld id="{09B482E8-6E0E-1B4F-B1FD-C69DB9E858D9}" type="datetimeFigureOut">
               <a:rPr lang="en-US" dirty="0"/>
               <a:pPr/>
-              <a:t>1/15/2021</a:t>
+              <a:t>1/16/2021</a:t>
             </a:fld>
             <a:endParaRPr lang="en-US" dirty="0"/>
           </a:p>
@@ -5425,6 +5435,382 @@
 </p:sld>
 </file>
 
+<file path=ppt/slides/slide10.xml><?xml version="1.0" encoding="utf-8"?>
+<p:sld xmlns:a="http://schemas.openxmlformats.org/drawingml/2006/main" xmlns:r="http://schemas.openxmlformats.org/officeDocument/2006/relationships" xmlns:p="http://schemas.openxmlformats.org/presentationml/2006/main">
+  <p:cSld>
+    <p:spTree>
+      <p:nvGrpSpPr>
+        <p:cNvPr id="1" name=""/>
+        <p:cNvGrpSpPr/>
+        <p:nvPr/>
+      </p:nvGrpSpPr>
+      <p:grpSpPr>
+        <a:xfrm>
+          <a:off x="0" y="0"/>
+          <a:ext cx="0" cy="0"/>
+          <a:chOff x="0" y="0"/>
+          <a:chExt cx="0" cy="0"/>
+        </a:xfrm>
+      </p:grpSpPr>
+      <p:sp>
+        <p:nvSpPr>
+          <p:cNvPr id="2" name="Title 1">
+            <a:extLst>
+              <a:ext uri="{FF2B5EF4-FFF2-40B4-BE49-F238E27FC236}">
+                <a16:creationId xmlns:a16="http://schemas.microsoft.com/office/drawing/2014/main" id="{BF7F2A66-A552-459D-8DDB-A6C5BD640F59}"/>
+              </a:ext>
+            </a:extLst>
+          </p:cNvPr>
+          <p:cNvSpPr>
+            <a:spLocks noGrp="1"/>
+          </p:cNvSpPr>
+          <p:nvPr>
+            <p:ph type="title"/>
+          </p:nvPr>
+        </p:nvSpPr>
+        <p:spPr/>
+        <p:txBody>
+          <a:bodyPr/>
+          <a:lstStyle/>
+          <a:p>
+            <a:endParaRPr lang="en-IN"/>
+          </a:p>
+        </p:txBody>
+      </p:sp>
+      <p:sp>
+        <p:nvSpPr>
+          <p:cNvPr id="3" name="Content Placeholder 2">
+            <a:extLst>
+              <a:ext uri="{FF2B5EF4-FFF2-40B4-BE49-F238E27FC236}">
+                <a16:creationId xmlns:a16="http://schemas.microsoft.com/office/drawing/2014/main" id="{3156CA93-21AF-460B-B794-219F06E0394D}"/>
+              </a:ext>
+            </a:extLst>
+          </p:cNvPr>
+          <p:cNvSpPr>
+            <a:spLocks noGrp="1"/>
+          </p:cNvSpPr>
+          <p:nvPr>
+            <p:ph idx="1"/>
+          </p:nvPr>
+        </p:nvSpPr>
+        <p:spPr/>
+        <p:txBody>
+          <a:bodyPr/>
+          <a:lstStyle/>
+          <a:p>
+            <a:endParaRPr lang="en-IN"/>
+          </a:p>
+        </p:txBody>
+      </p:sp>
+      <p:pic>
+        <p:nvPicPr>
+          <p:cNvPr id="9" name="Picture 8">
+            <a:extLst>
+              <a:ext uri="{FF2B5EF4-FFF2-40B4-BE49-F238E27FC236}">
+                <a16:creationId xmlns:a16="http://schemas.microsoft.com/office/drawing/2014/main" id="{F9186BD0-46CA-45A8-9814-12A952A7FF95}"/>
+              </a:ext>
+            </a:extLst>
+          </p:cNvPr>
+          <p:cNvPicPr>
+            <a:picLocks noChangeAspect="1"/>
+          </p:cNvPicPr>
+          <p:nvPr/>
+        </p:nvPicPr>
+        <p:blipFill>
+          <a:blip r:embed="rId2"/>
+          <a:stretch>
+            <a:fillRect/>
+          </a:stretch>
+        </p:blipFill>
+        <p:spPr>
+          <a:xfrm>
+            <a:off x="0" y="786979"/>
+            <a:ext cx="12192000" cy="5284042"/>
+          </a:xfrm>
+          <a:prstGeom prst="rect">
+            <a:avLst/>
+          </a:prstGeom>
+        </p:spPr>
+      </p:pic>
+    </p:spTree>
+    <p:extLst>
+      <p:ext uri="{BB962C8B-B14F-4D97-AF65-F5344CB8AC3E}">
+        <p14:creationId xmlns:p14="http://schemas.microsoft.com/office/powerpoint/2010/main" val="117386120"/>
+      </p:ext>
+    </p:extLst>
+  </p:cSld>
+  <p:clrMapOvr>
+    <a:masterClrMapping/>
+  </p:clrMapOvr>
+</p:sld>
+</file>
+
+<file path=ppt/slides/slide11.xml><?xml version="1.0" encoding="utf-8"?>
+<p:sld xmlns:a="http://schemas.openxmlformats.org/drawingml/2006/main" xmlns:r="http://schemas.openxmlformats.org/officeDocument/2006/relationships" xmlns:p="http://schemas.openxmlformats.org/presentationml/2006/main">
+  <p:cSld>
+    <p:spTree>
+      <p:nvGrpSpPr>
+        <p:cNvPr id="1" name=""/>
+        <p:cNvGrpSpPr/>
+        <p:nvPr/>
+      </p:nvGrpSpPr>
+      <p:grpSpPr>
+        <a:xfrm>
+          <a:off x="0" y="0"/>
+          <a:ext cx="0" cy="0"/>
+          <a:chOff x="0" y="0"/>
+          <a:chExt cx="0" cy="0"/>
+        </a:xfrm>
+      </p:grpSpPr>
+      <p:sp>
+        <p:nvSpPr>
+          <p:cNvPr id="2" name="Title 1">
+            <a:extLst>
+              <a:ext uri="{FF2B5EF4-FFF2-40B4-BE49-F238E27FC236}">
+                <a16:creationId xmlns:a16="http://schemas.microsoft.com/office/drawing/2014/main" id="{65F06453-B682-472D-A092-E4BD1FF4AF75}"/>
+              </a:ext>
+            </a:extLst>
+          </p:cNvPr>
+          <p:cNvSpPr>
+            <a:spLocks noGrp="1"/>
+          </p:cNvSpPr>
+          <p:nvPr>
+            <p:ph type="title"/>
+          </p:nvPr>
+        </p:nvSpPr>
+        <p:spPr/>
+        <p:txBody>
+          <a:bodyPr/>
+          <a:lstStyle/>
+          <a:p>
+            <a:r>
+              <a:rPr lang="en-US" dirty="0"/>
+              <a:t>But can we do better?</a:t>
+            </a:r>
+            <a:endParaRPr lang="en-IN" dirty="0"/>
+          </a:p>
+        </p:txBody>
+      </p:sp>
+      <p:sp>
+        <p:nvSpPr>
+          <p:cNvPr id="3" name="Content Placeholder 2">
+            <a:extLst>
+              <a:ext uri="{FF2B5EF4-FFF2-40B4-BE49-F238E27FC236}">
+                <a16:creationId xmlns:a16="http://schemas.microsoft.com/office/drawing/2014/main" id="{10EEA2AD-26E8-44FD-9CCD-B2607E767A23}"/>
+              </a:ext>
+            </a:extLst>
+          </p:cNvPr>
+          <p:cNvSpPr>
+            <a:spLocks noGrp="1"/>
+          </p:cNvSpPr>
+          <p:nvPr>
+            <p:ph idx="1"/>
+          </p:nvPr>
+        </p:nvSpPr>
+        <p:spPr/>
+        <p:txBody>
+          <a:bodyPr/>
+          <a:lstStyle/>
+          <a:p>
+            <a:endParaRPr lang="en-IN"/>
+          </a:p>
+        </p:txBody>
+      </p:sp>
+    </p:spTree>
+    <p:extLst>
+      <p:ext uri="{BB962C8B-B14F-4D97-AF65-F5344CB8AC3E}">
+        <p14:creationId xmlns:p14="http://schemas.microsoft.com/office/powerpoint/2010/main" val="4133590131"/>
+      </p:ext>
+    </p:extLst>
+  </p:cSld>
+  <p:clrMapOvr>
+    <a:masterClrMapping/>
+  </p:clrMapOvr>
+</p:sld>
+</file>
+
+<file path=ppt/slides/slide12.xml><?xml version="1.0" encoding="utf-8"?>
+<p:sld xmlns:a="http://schemas.openxmlformats.org/drawingml/2006/main" xmlns:r="http://schemas.openxmlformats.org/officeDocument/2006/relationships" xmlns:p="http://schemas.openxmlformats.org/presentationml/2006/main">
+  <p:cSld>
+    <p:spTree>
+      <p:nvGrpSpPr>
+        <p:cNvPr id="1" name=""/>
+        <p:cNvGrpSpPr/>
+        <p:nvPr/>
+      </p:nvGrpSpPr>
+      <p:grpSpPr>
+        <a:xfrm>
+          <a:off x="0" y="0"/>
+          <a:ext cx="0" cy="0"/>
+          <a:chOff x="0" y="0"/>
+          <a:chExt cx="0" cy="0"/>
+        </a:xfrm>
+      </p:grpSpPr>
+      <p:sp>
+        <p:nvSpPr>
+          <p:cNvPr id="2" name="Title 1">
+            <a:extLst>
+              <a:ext uri="{FF2B5EF4-FFF2-40B4-BE49-F238E27FC236}">
+                <a16:creationId xmlns:a16="http://schemas.microsoft.com/office/drawing/2014/main" id="{C78842FD-073A-4CDC-967E-5625EDCA455A}"/>
+              </a:ext>
+            </a:extLst>
+          </p:cNvPr>
+          <p:cNvSpPr>
+            <a:spLocks noGrp="1"/>
+          </p:cNvSpPr>
+          <p:nvPr>
+            <p:ph type="title"/>
+          </p:nvPr>
+        </p:nvSpPr>
+        <p:spPr/>
+        <p:txBody>
+          <a:bodyPr/>
+          <a:lstStyle/>
+          <a:p>
+            <a:r>
+              <a:rPr lang="en-US" dirty="0"/>
+              <a:t>Did we have fun?</a:t>
+            </a:r>
+            <a:endParaRPr lang="en-IN" dirty="0"/>
+          </a:p>
+        </p:txBody>
+      </p:sp>
+      <p:sp>
+        <p:nvSpPr>
+          <p:cNvPr id="3" name="Content Placeholder 2">
+            <a:extLst>
+              <a:ext uri="{FF2B5EF4-FFF2-40B4-BE49-F238E27FC236}">
+                <a16:creationId xmlns:a16="http://schemas.microsoft.com/office/drawing/2014/main" id="{E1A173A9-EBF4-4CEB-83C6-EDF219196C41}"/>
+              </a:ext>
+            </a:extLst>
+          </p:cNvPr>
+          <p:cNvSpPr>
+            <a:spLocks noGrp="1"/>
+          </p:cNvSpPr>
+          <p:nvPr>
+            <p:ph idx="1"/>
+          </p:nvPr>
+        </p:nvSpPr>
+        <p:spPr/>
+        <p:txBody>
+          <a:bodyPr/>
+          <a:lstStyle/>
+          <a:p>
+            <a:endParaRPr lang="en-IN"/>
+          </a:p>
+        </p:txBody>
+      </p:sp>
+    </p:spTree>
+    <p:extLst>
+      <p:ext uri="{BB962C8B-B14F-4D97-AF65-F5344CB8AC3E}">
+        <p14:creationId xmlns:p14="http://schemas.microsoft.com/office/powerpoint/2010/main" val="1345291992"/>
+      </p:ext>
+    </p:extLst>
+  </p:cSld>
+  <p:clrMapOvr>
+    <a:masterClrMapping/>
+  </p:clrMapOvr>
+</p:sld>
+</file>
+
+<file path=ppt/slides/slide13.xml><?xml version="1.0" encoding="utf-8"?>
+<p:sld xmlns:a="http://schemas.openxmlformats.org/drawingml/2006/main" xmlns:r="http://schemas.openxmlformats.org/officeDocument/2006/relationships" xmlns:p="http://schemas.openxmlformats.org/presentationml/2006/main">
+  <p:cSld>
+    <p:spTree>
+      <p:nvGrpSpPr>
+        <p:cNvPr id="1" name=""/>
+        <p:cNvGrpSpPr/>
+        <p:nvPr/>
+      </p:nvGrpSpPr>
+      <p:grpSpPr>
+        <a:xfrm>
+          <a:off x="0" y="0"/>
+          <a:ext cx="0" cy="0"/>
+          <a:chOff x="0" y="0"/>
+          <a:chExt cx="0" cy="0"/>
+        </a:xfrm>
+      </p:grpSpPr>
+      <p:sp>
+        <p:nvSpPr>
+          <p:cNvPr id="2" name="Title 1">
+            <a:extLst>
+              <a:ext uri="{FF2B5EF4-FFF2-40B4-BE49-F238E27FC236}">
+                <a16:creationId xmlns:a16="http://schemas.microsoft.com/office/drawing/2014/main" id="{AD69D296-D3E1-47AC-BB9C-9E1C1FD845B0}"/>
+              </a:ext>
+            </a:extLst>
+          </p:cNvPr>
+          <p:cNvSpPr>
+            <a:spLocks noGrp="1"/>
+          </p:cNvSpPr>
+          <p:nvPr>
+            <p:ph type="title"/>
+          </p:nvPr>
+        </p:nvSpPr>
+        <p:spPr/>
+        <p:txBody>
+          <a:bodyPr/>
+          <a:lstStyle/>
+          <a:p>
+            <a:endParaRPr lang="en-IN"/>
+          </a:p>
+        </p:txBody>
+      </p:sp>
+      <p:sp>
+        <p:nvSpPr>
+          <p:cNvPr id="3" name="Picture Placeholder 2">
+            <a:extLst>
+              <a:ext uri="{FF2B5EF4-FFF2-40B4-BE49-F238E27FC236}">
+                <a16:creationId xmlns:a16="http://schemas.microsoft.com/office/drawing/2014/main" id="{F5E5BF96-FCB3-471F-8DAA-0E3DD59F7CB1}"/>
+              </a:ext>
+            </a:extLst>
+          </p:cNvPr>
+          <p:cNvSpPr>
+            <a:spLocks noGrp="1"/>
+          </p:cNvSpPr>
+          <p:nvPr>
+            <p:ph type="pic" sz="quarter" idx="13"/>
+          </p:nvPr>
+        </p:nvSpPr>
+        <p:spPr/>
+      </p:sp>
+      <p:sp>
+        <p:nvSpPr>
+          <p:cNvPr id="4" name="Text Placeholder 3">
+            <a:extLst>
+              <a:ext uri="{FF2B5EF4-FFF2-40B4-BE49-F238E27FC236}">
+                <a16:creationId xmlns:a16="http://schemas.microsoft.com/office/drawing/2014/main" id="{9D6E1030-8FFE-4934-B690-DC2EBD6A5AF8}"/>
+              </a:ext>
+            </a:extLst>
+          </p:cNvPr>
+          <p:cNvSpPr>
+            <a:spLocks noGrp="1"/>
+          </p:cNvSpPr>
+          <p:nvPr>
+            <p:ph type="body" sz="half" idx="2"/>
+          </p:nvPr>
+        </p:nvSpPr>
+        <p:spPr/>
+        <p:txBody>
+          <a:bodyPr/>
+          <a:lstStyle/>
+          <a:p>
+            <a:endParaRPr lang="en-IN"/>
+          </a:p>
+        </p:txBody>
+      </p:sp>
+    </p:spTree>
+    <p:extLst>
+      <p:ext uri="{BB962C8B-B14F-4D97-AF65-F5344CB8AC3E}">
+        <p14:creationId xmlns:p14="http://schemas.microsoft.com/office/powerpoint/2010/main" val="996934246"/>
+      </p:ext>
+    </p:extLst>
+  </p:cSld>
+  <p:clrMapOvr>
+    <a:masterClrMapping/>
+  </p:clrMapOvr>
+</p:sld>
+</file>
+
 <file path=ppt/slides/slide2.xml><?xml version="1.0" encoding="utf-8"?>
 <p:sld xmlns:a="http://schemas.openxmlformats.org/drawingml/2006/main" xmlns:r="http://schemas.openxmlformats.org/officeDocument/2006/relationships" xmlns:p="http://schemas.openxmlformats.org/presentationml/2006/main">
   <p:cSld>
@@ -6470,10 +6856,81 @@
             <p:ph idx="1"/>
           </p:nvPr>
         </p:nvSpPr>
-        <p:spPr/>
-        <p:txBody>
-          <a:bodyPr/>
-          <a:lstStyle/>
+        <p:spPr>
+          <a:xfrm>
+            <a:off x="810000" y="2558189"/>
+            <a:ext cx="10554574" cy="3636511"/>
+          </a:xfrm>
+        </p:spPr>
+        <p:txBody>
+          <a:bodyPr>
+            <a:normAutofit lnSpcReduction="10000"/>
+          </a:bodyPr>
+          <a:lstStyle/>
+          <a:p>
+            <a:r>
+              <a:rPr lang="en-US" dirty="0"/>
+              <a:t>We tried running our data on 3 different algorithms, Random Forest, Light GBM, and Decision Tree Classifiers. We achieved the best accuracy with Light GBM.</a:t>
+            </a:r>
+          </a:p>
+          <a:p>
+            <a:r>
+              <a:rPr lang="en-US" dirty="0"/>
+              <a:t>We used Grid Search CV to iterate through many different hyperparameters to find the best ones, to get the best accuracy possible</a:t>
+            </a:r>
+          </a:p>
+          <a:p>
+            <a:r>
+              <a:rPr lang="en-US" dirty="0"/>
+              <a:t>The best hyperparameters achieved were:</a:t>
+            </a:r>
+          </a:p>
+          <a:p>
+            <a:pPr lvl="1"/>
+            <a:r>
+              <a:rPr lang="en-US" dirty="0"/>
+              <a:t>Learning rate: 0.01</a:t>
+            </a:r>
+          </a:p>
+          <a:p>
+            <a:pPr lvl="1"/>
+            <a:r>
+              <a:rPr lang="en-US" dirty="0" err="1"/>
+              <a:t>N_estimators</a:t>
+            </a:r>
+            <a:r>
+              <a:rPr lang="en-US" dirty="0"/>
+              <a:t>: 1022</a:t>
+            </a:r>
+          </a:p>
+          <a:p>
+            <a:pPr lvl="1"/>
+            <a:r>
+              <a:rPr lang="en-US" dirty="0" err="1"/>
+              <a:t>Max_depth</a:t>
+            </a:r>
+            <a:r>
+              <a:rPr lang="en-US" dirty="0"/>
+              <a:t>: 7</a:t>
+            </a:r>
+          </a:p>
+          <a:p>
+            <a:pPr lvl="1"/>
+            <a:r>
+              <a:rPr lang="en-US" dirty="0" err="1"/>
+              <a:t>Max_features</a:t>
+            </a:r>
+            <a:r>
+              <a:rPr lang="en-US" dirty="0"/>
+              <a:t>: 3</a:t>
+            </a:r>
+          </a:p>
+          <a:p>
+            <a:r>
+              <a:rPr lang="en-US" dirty="0"/>
+              <a:t>We cross validated our model and got an average score of 87.7%</a:t>
+            </a:r>
+          </a:p>
           <a:p>
             <a:endParaRPr lang="en-IN" dirty="0"/>
           </a:p>
@@ -6483,6 +6940,120 @@
     <p:extLst>
       <p:ext uri="{BB962C8B-B14F-4D97-AF65-F5344CB8AC3E}">
         <p14:creationId xmlns:p14="http://schemas.microsoft.com/office/powerpoint/2010/main" val="365356203"/>
+      </p:ext>
+    </p:extLst>
+  </p:cSld>
+  <p:clrMapOvr>
+    <a:masterClrMapping/>
+  </p:clrMapOvr>
+</p:sld>
+</file>
+
+<file path=ppt/slides/slide9.xml><?xml version="1.0" encoding="utf-8"?>
+<p:sld xmlns:a="http://schemas.openxmlformats.org/drawingml/2006/main" xmlns:r="http://schemas.openxmlformats.org/officeDocument/2006/relationships" xmlns:p="http://schemas.openxmlformats.org/presentationml/2006/main">
+  <p:cSld>
+    <p:spTree>
+      <p:nvGrpSpPr>
+        <p:cNvPr id="1" name=""/>
+        <p:cNvGrpSpPr/>
+        <p:nvPr/>
+      </p:nvGrpSpPr>
+      <p:grpSpPr>
+        <a:xfrm>
+          <a:off x="0" y="0"/>
+          <a:ext cx="0" cy="0"/>
+          <a:chOff x="0" y="0"/>
+          <a:chExt cx="0" cy="0"/>
+        </a:xfrm>
+      </p:grpSpPr>
+      <p:sp>
+        <p:nvSpPr>
+          <p:cNvPr id="2" name="Title 1">
+            <a:extLst>
+              <a:ext uri="{FF2B5EF4-FFF2-40B4-BE49-F238E27FC236}">
+                <a16:creationId xmlns:a16="http://schemas.microsoft.com/office/drawing/2014/main" id="{6B3479CD-7CF5-4D27-90A5-75C995F2A0BB}"/>
+              </a:ext>
+            </a:extLst>
+          </p:cNvPr>
+          <p:cNvSpPr>
+            <a:spLocks noGrp="1"/>
+          </p:cNvSpPr>
+          <p:nvPr>
+            <p:ph type="title"/>
+          </p:nvPr>
+        </p:nvSpPr>
+        <p:spPr/>
+        <p:txBody>
+          <a:bodyPr/>
+          <a:lstStyle/>
+          <a:p>
+            <a:r>
+              <a:rPr lang="en-US" dirty="0"/>
+              <a:t>Uploading to HackerEarth</a:t>
+            </a:r>
+            <a:endParaRPr lang="en-IN" dirty="0"/>
+          </a:p>
+        </p:txBody>
+      </p:sp>
+      <p:sp>
+        <p:nvSpPr>
+          <p:cNvPr id="3" name="Content Placeholder 2">
+            <a:extLst>
+              <a:ext uri="{FF2B5EF4-FFF2-40B4-BE49-F238E27FC236}">
+                <a16:creationId xmlns:a16="http://schemas.microsoft.com/office/drawing/2014/main" id="{A0CFEEF3-6822-4F2C-82B7-CE64B9EBD347}"/>
+              </a:ext>
+            </a:extLst>
+          </p:cNvPr>
+          <p:cNvSpPr>
+            <a:spLocks noGrp="1"/>
+          </p:cNvSpPr>
+          <p:nvPr>
+            <p:ph idx="1"/>
+          </p:nvPr>
+        </p:nvSpPr>
+        <p:spPr/>
+        <p:txBody>
+          <a:bodyPr/>
+          <a:lstStyle/>
+          <a:p>
+            <a:r>
+              <a:rPr lang="en-US" dirty="0"/>
+              <a:t>As this problem statement was from HackerEarth, the solution was uploaded and was evaluated by them</a:t>
+            </a:r>
+          </a:p>
+          <a:p>
+            <a:r>
+              <a:rPr lang="en-US" dirty="0"/>
+              <a:t>According to their instructions: “Your output will be evaluated only for 50% of the test data while the contest is running. Once the contest is over, output for the remaining 50% of the data will be evaluated and the final rank will be awarded.”</a:t>
+            </a:r>
+          </a:p>
+          <a:p>
+            <a:r>
+              <a:rPr lang="en-US" dirty="0"/>
+              <a:t>We achieved a score of 88.23390% on our solution, and were awarded 21</a:t>
+            </a:r>
+            <a:r>
+              <a:rPr lang="en-US" baseline="30000" dirty="0"/>
+              <a:t>st</a:t>
+            </a:r>
+            <a:r>
+              <a:rPr lang="en-US" dirty="0"/>
+              <a:t> position on the leaderboard, when the top spot was an accuracy of 89.73280%</a:t>
+            </a:r>
+          </a:p>
+          <a:p>
+            <a:r>
+              <a:rPr lang="en-US" dirty="0"/>
+              <a:t>This hackathon is still running, and the final rank has not been determined </a:t>
+            </a:r>
+            <a:endParaRPr lang="en-IN" dirty="0"/>
+          </a:p>
+        </p:txBody>
+      </p:sp>
+    </p:spTree>
+    <p:extLst>
+      <p:ext uri="{BB962C8B-B14F-4D97-AF65-F5344CB8AC3E}">
+        <p14:creationId xmlns:p14="http://schemas.microsoft.com/office/powerpoint/2010/main" val="363316720"/>
       </p:ext>
     </p:extLst>
   </p:cSld>

--- a/Grievances' Importance Prediction.pptx
+++ b/Grievances' Importance Prediction.pptx
@@ -17,7 +17,7 @@
     <p:sldId id="265" r:id="rId11"/>
     <p:sldId id="266" r:id="rId12"/>
     <p:sldId id="267" r:id="rId13"/>
-    <p:sldId id="269" r:id="rId14"/>
+    <p:sldId id="270" r:id="rId14"/>
   </p:sldIdLst>
   <p:sldSz cx="12192000" cy="6858000"/>
   <p:notesSz cx="6858000" cy="9144000"/>
@@ -219,7 +219,7 @@
           <a:effectLst/>
           <a:extLst>
             <a:ext uri="{91240B29-F687-4f45-9708-019B960494DF}">
-              <a14:hiddenLine xmlns="" xmlns:a14="http://schemas.microsoft.com/office/drawing/2010/main" w="9525">
+              <a14:hiddenLine xmlns:a14="http://schemas.microsoft.com/office/drawing/2010/main" xmlns="" w="9525">
                 <a:solidFill>
                   <a:srgbClr val="000000"/>
                 </a:solidFill>
@@ -412,7 +412,7 @@
             <a:fld id="{08B9EBBA-996F-894A-B54A-D6246ED52CEA}" type="datetimeFigureOut">
               <a:rPr lang="en-US" dirty="0"/>
               <a:pPr/>
-              <a:t>1/16/2021</a:t>
+              <a:t>1/17/2021</a:t>
             </a:fld>
             <a:endParaRPr lang="en-US" dirty="0"/>
           </a:p>
@@ -727,7 +727,7 @@
             <a:fld id="{18C79C5D-2A6F-F04D-97DA-BEF2467B64E4}" type="datetimeFigureOut">
               <a:rPr lang="en-US" dirty="0"/>
               <a:pPr/>
-              <a:t>1/16/2021</a:t>
+              <a:t>1/17/2021</a:t>
             </a:fld>
             <a:endParaRPr lang="en-US" dirty="0"/>
           </a:p>
@@ -1212,7 +1212,7 @@
             <a:fld id="{8DFA1846-DA80-1C48-A609-854EA85C59AD}" type="datetimeFigureOut">
               <a:rPr lang="en-US" dirty="0"/>
               <a:pPr/>
-              <a:t>1/16/2021</a:t>
+              <a:t>1/17/2021</a:t>
             </a:fld>
             <a:endParaRPr lang="en-US" dirty="0"/>
           </a:p>
@@ -1578,7 +1578,7 @@
             <a:fld id="{FBF54567-0DE4-3F47-BF90-CB84690072F9}" type="datetimeFigureOut">
               <a:rPr lang="en-US" dirty="0"/>
               <a:pPr/>
-              <a:t>1/16/2021</a:t>
+              <a:t>1/17/2021</a:t>
             </a:fld>
             <a:endParaRPr lang="en-US" dirty="0"/>
           </a:p>
@@ -1729,7 +1729,7 @@
           <a:ln/>
           <a:extLst>
             <a:ext uri="{91240B29-F687-4f45-9708-019B960494DF}">
-              <a14:hiddenLine xmlns="" xmlns:a14="http://schemas.microsoft.com/office/drawing/2010/main" w="9525">
+              <a14:hiddenLine xmlns:a14="http://schemas.microsoft.com/office/drawing/2010/main" xmlns="" w="9525">
                 <a:solidFill>
                   <a:srgbClr val="000000"/>
                 </a:solidFill>
@@ -1848,7 +1848,7 @@
             <a:fld id="{C6C52C72-DE31-F449-A4ED-4C594FD91407}" type="datetimeFigureOut">
               <a:rPr lang="en-US" dirty="0"/>
               <a:pPr/>
-              <a:t>1/16/2021</a:t>
+              <a:t>1/17/2021</a:t>
             </a:fld>
             <a:endParaRPr lang="en-US" dirty="0"/>
           </a:p>
@@ -2001,7 +2001,7 @@
           <a:ln/>
           <a:extLst>
             <a:ext uri="{91240B29-F687-4f45-9708-019B960494DF}">
-              <a14:hiddenLine xmlns="" xmlns:a14="http://schemas.microsoft.com/office/drawing/2010/main" w="9525">
+              <a14:hiddenLine xmlns:a14="http://schemas.microsoft.com/office/drawing/2010/main" xmlns="" w="9525">
                 <a:solidFill>
                   <a:srgbClr val="000000"/>
                 </a:solidFill>
@@ -2130,7 +2130,7 @@
             <a:fld id="{ED62726E-379B-B349-9EED-81ED093FA806}" type="datetimeFigureOut">
               <a:rPr lang="en-US" dirty="0"/>
               <a:pPr/>
-              <a:t>1/16/2021</a:t>
+              <a:t>1/17/2021</a:t>
             </a:fld>
             <a:endParaRPr lang="en-US" dirty="0"/>
           </a:p>
@@ -2281,7 +2281,7 @@
           <a:ln/>
           <a:extLst>
             <a:ext uri="{91240B29-F687-4f45-9708-019B960494DF}">
-              <a14:hiddenLine xmlns="" xmlns:a14="http://schemas.microsoft.com/office/drawing/2010/main" w="9525">
+              <a14:hiddenLine xmlns:a14="http://schemas.microsoft.com/office/drawing/2010/main" xmlns="" w="9525">
                 <a:solidFill>
                   <a:srgbClr val="000000"/>
                 </a:solidFill>
@@ -2410,7 +2410,7 @@
             <a:fld id="{9B3A1323-8D79-1946-B0D7-40001CF92E9D}" type="datetimeFigureOut">
               <a:rPr lang="en-US" dirty="0"/>
               <a:pPr/>
-              <a:t>1/16/2021</a:t>
+              <a:t>1/17/2021</a:t>
             </a:fld>
             <a:endParaRPr lang="en-US" dirty="0"/>
           </a:p>
@@ -2750,7 +2750,7 @@
             <a:fld id="{8DFA1846-DA80-1C48-A609-854EA85C59AD}" type="datetimeFigureOut">
               <a:rPr lang="en-US" dirty="0"/>
               <a:pPr/>
-              <a:t>1/16/2021</a:t>
+              <a:t>1/17/2021</a:t>
             </a:fld>
             <a:endParaRPr lang="en-US" dirty="0"/>
           </a:p>
@@ -2901,7 +2901,7 @@
           <a:ln/>
           <a:extLst>
             <a:ext uri="{91240B29-F687-4f45-9708-019B960494DF}">
-              <a14:hiddenLine xmlns="" xmlns:a14="http://schemas.microsoft.com/office/drawing/2010/main" w="9525">
+              <a14:hiddenLine xmlns:a14="http://schemas.microsoft.com/office/drawing/2010/main" xmlns="" w="9525">
                 <a:solidFill>
                   <a:srgbClr val="000000"/>
                 </a:solidFill>
@@ -3086,7 +3086,7 @@
             <a:fld id="{57302355-E14B-8545-A8F8-0FE83CC9D524}" type="datetimeFigureOut">
               <a:rPr lang="en-US" dirty="0"/>
               <a:pPr/>
-              <a:t>1/16/2021</a:t>
+              <a:t>1/17/2021</a:t>
             </a:fld>
             <a:endParaRPr lang="en-US" dirty="0"/>
           </a:p>
@@ -3237,7 +3237,7 @@
           <a:ln/>
           <a:extLst>
             <a:ext uri="{91240B29-F687-4f45-9708-019B960494DF}">
-              <a14:hiddenLine xmlns="" xmlns:a14="http://schemas.microsoft.com/office/drawing/2010/main" w="9525">
+              <a14:hiddenLine xmlns:a14="http://schemas.microsoft.com/office/drawing/2010/main" xmlns="" w="9525">
                 <a:solidFill>
                   <a:srgbClr val="000000"/>
                 </a:solidFill>
@@ -3560,7 +3560,7 @@
             <a:fld id="{02640F58-564D-2B4F-AE67-E407BA4FCF45}" type="datetimeFigureOut">
               <a:rPr lang="en-US" dirty="0"/>
               <a:pPr/>
-              <a:t>1/16/2021</a:t>
+              <a:t>1/17/2021</a:t>
             </a:fld>
             <a:endParaRPr lang="en-US" dirty="0"/>
           </a:p>
@@ -3711,7 +3711,7 @@
           <a:ln/>
           <a:extLst>
             <a:ext uri="{91240B29-F687-4f45-9708-019B960494DF}">
-              <a14:hiddenLine xmlns="" xmlns:a14="http://schemas.microsoft.com/office/drawing/2010/main" w="9525">
+              <a14:hiddenLine xmlns:a14="http://schemas.microsoft.com/office/drawing/2010/main" xmlns="" w="9525">
                 <a:solidFill>
                   <a:srgbClr val="000000"/>
                 </a:solidFill>
@@ -3778,7 +3778,7 @@
             <a:fld id="{F13A34C8-038E-2045-AF43-DF7DBB8E0E9E}" type="datetimeFigureOut">
               <a:rPr lang="en-US" dirty="0"/>
               <a:pPr/>
-              <a:t>1/16/2021</a:t>
+              <a:t>1/17/2021</a:t>
             </a:fld>
             <a:endParaRPr lang="en-US" dirty="0"/>
           </a:p>
@@ -3870,7 +3870,7 @@
             <a:fld id="{8818C68F-D26B-8F47-958C-23B49CF8A634}" type="datetimeFigureOut">
               <a:rPr lang="en-US" dirty="0"/>
               <a:pPr/>
-              <a:t>1/16/2021</a:t>
+              <a:t>1/17/2021</a:t>
             </a:fld>
             <a:endParaRPr lang="en-US" dirty="0"/>
           </a:p>
@@ -4134,7 +4134,7 @@
           <a:ln/>
           <a:extLst>
             <a:ext uri="{91240B29-F687-4f45-9708-019B960494DF}">
-              <a14:hiddenLine xmlns="" xmlns:a14="http://schemas.microsoft.com/office/drawing/2010/main" w="9525">
+              <a14:hiddenLine xmlns:a14="http://schemas.microsoft.com/office/drawing/2010/main" xmlns="" w="9525">
                 <a:solidFill>
                   <a:srgbClr val="000000"/>
                 </a:solidFill>
@@ -4334,7 +4334,7 @@
             <a:fld id="{D0DF5E60-9974-AC48-9591-99C2BB44B7CF}" type="datetimeFigureOut">
               <a:rPr lang="en-US" dirty="0"/>
               <a:pPr/>
-              <a:t>1/16/2021</a:t>
+              <a:t>1/17/2021</a:t>
             </a:fld>
             <a:endParaRPr lang="en-US" dirty="0"/>
           </a:p>
@@ -4644,7 +4644,7 @@
             <a:fld id="{18C79C5D-2A6F-F04D-97DA-BEF2467B64E4}" type="datetimeFigureOut">
               <a:rPr lang="en-US" dirty="0"/>
               <a:pPr/>
-              <a:t>1/16/2021</a:t>
+              <a:t>1/17/2021</a:t>
             </a:fld>
             <a:endParaRPr lang="en-US" dirty="0"/>
           </a:p>
@@ -4911,7 +4911,7 @@
             <a:fld id="{09B482E8-6E0E-1B4F-B1FD-C69DB9E858D9}" type="datetimeFigureOut">
               <a:rPr lang="en-US" dirty="0"/>
               <a:pPr/>
-              <a:t>1/16/2021</a:t>
+              <a:t>1/17/2021</a:t>
             </a:fld>
             <a:endParaRPr lang="en-US" dirty="0"/>
           </a:p>
@@ -5612,7 +5612,29 @@
           <a:bodyPr/>
           <a:lstStyle/>
           <a:p>
-            <a:endParaRPr lang="en-IN"/>
+            <a:r>
+              <a:rPr lang="en-US" dirty="0"/>
+              <a:t>This is a headless program, and to change the hyperparameters, the program itself should be changed, which isn’t optimal. </a:t>
+            </a:r>
+          </a:p>
+          <a:p>
+            <a:r>
+              <a:rPr lang="en-US" dirty="0"/>
+              <a:t>The program could have a GUI or a web interface, with which it would be more easier to interact with the program</a:t>
+            </a:r>
+          </a:p>
+          <a:p>
+            <a:r>
+              <a:rPr lang="en-US" dirty="0"/>
+              <a:t>This ML program was built so as to assess the importance of a case, but there is no provision to input a case details to check its importance. Given time, a feature could be easily implemented, which would take case details of either a singe case or a csv of new cases, and predict their importance</a:t>
+            </a:r>
+          </a:p>
+          <a:p>
+            <a:r>
+              <a:rPr lang="en-US" dirty="0"/>
+              <a:t>From a management perspective, a new system would have to be put in place to address the important issues while still not neglecting the less important issues</a:t>
+            </a:r>
+            <a:endParaRPr lang="en-IN" dirty="0"/>
           </a:p>
         </p:txBody>
       </p:sp>
@@ -5696,7 +5718,29 @@
           <a:bodyPr/>
           <a:lstStyle/>
           <a:p>
-            <a:endParaRPr lang="en-IN"/>
+            <a:r>
+              <a:rPr lang="en-US" dirty="0"/>
+              <a:t>We learned a lot in this hackathon, starting from coding on the google colab platform, to the right steps in implementing machine learning to a problem</a:t>
+            </a:r>
+          </a:p>
+          <a:p>
+            <a:r>
+              <a:rPr lang="en-US" dirty="0"/>
+              <a:t>We learned how to manage a project on git while working with other members of the team</a:t>
+            </a:r>
+          </a:p>
+          <a:p>
+            <a:r>
+              <a:rPr lang="en-US" dirty="0"/>
+              <a:t>We learned to work as a team and split tasks between ourselves and work efficiently while also having an amazing time</a:t>
+            </a:r>
+          </a:p>
+          <a:p>
+            <a:r>
+              <a:rPr lang="en-US" dirty="0"/>
+              <a:t>This was an amazing ice breaker experience, and we made a lot of friends and inside jokes on the way, and we thank DSC-VIT for the opportunity to take part in this hackathon</a:t>
+            </a:r>
+            <a:endParaRPr lang="en-IN" dirty="0"/>
           </a:p>
         </p:txBody>
       </p:sp>
@@ -5735,7 +5779,7 @@
           <p:cNvPr id="2" name="Title 1">
             <a:extLst>
               <a:ext uri="{FF2B5EF4-FFF2-40B4-BE49-F238E27FC236}">
-                <a16:creationId xmlns:a16="http://schemas.microsoft.com/office/drawing/2014/main" id="{AD69D296-D3E1-47AC-BB9C-9E1C1FD845B0}"/>
+                <a16:creationId xmlns:a16="http://schemas.microsoft.com/office/drawing/2014/main" id="{1A260505-37CE-4624-A11E-202C9B9C8C1E}"/>
               </a:ext>
             </a:extLst>
           </p:cNvPr>
@@ -5751,16 +5795,20 @@
           <a:bodyPr/>
           <a:lstStyle/>
           <a:p>
-            <a:endParaRPr lang="en-IN"/>
-          </a:p>
-        </p:txBody>
-      </p:sp>
-      <p:sp>
-        <p:nvSpPr>
-          <p:cNvPr id="3" name="Picture Placeholder 2">
+            <a:r>
+              <a:rPr lang="en-US" dirty="0"/>
+              <a:t>Thank you!</a:t>
+            </a:r>
+            <a:endParaRPr lang="en-IN" dirty="0"/>
+          </a:p>
+        </p:txBody>
+      </p:sp>
+      <p:sp>
+        <p:nvSpPr>
+          <p:cNvPr id="3" name="Text Placeholder 2">
             <a:extLst>
               <a:ext uri="{FF2B5EF4-FFF2-40B4-BE49-F238E27FC236}">
-                <a16:creationId xmlns:a16="http://schemas.microsoft.com/office/drawing/2014/main" id="{F5E5BF96-FCB3-471F-8DAA-0E3DD59F7CB1}"/>
+                <a16:creationId xmlns:a16="http://schemas.microsoft.com/office/drawing/2014/main" id="{D600BA44-E3EE-4364-A0F8-23ABB0A631CF}"/>
               </a:ext>
             </a:extLst>
           </p:cNvPr>
@@ -5768,17 +5816,28 @@
             <a:spLocks noGrp="1"/>
           </p:cNvSpPr>
           <p:nvPr>
-            <p:ph type="pic" sz="quarter" idx="13"/>
+            <p:ph type="body" idx="1"/>
           </p:nvPr>
         </p:nvSpPr>
         <p:spPr/>
+        <p:txBody>
+          <a:bodyPr/>
+          <a:lstStyle/>
+          <a:p>
+            <a:r>
+              <a:rPr lang="en-US" dirty="0"/>
+              <a:t>From Team Ius Humanum</a:t>
+            </a:r>
+            <a:endParaRPr lang="en-IN" dirty="0"/>
+          </a:p>
+        </p:txBody>
       </p:sp>
       <p:sp>
         <p:nvSpPr>
           <p:cNvPr id="4" name="Text Placeholder 3">
             <a:extLst>
               <a:ext uri="{FF2B5EF4-FFF2-40B4-BE49-F238E27FC236}">
-                <a16:creationId xmlns:a16="http://schemas.microsoft.com/office/drawing/2014/main" id="{9D6E1030-8FFE-4934-B690-DC2EBD6A5AF8}"/>
+                <a16:creationId xmlns:a16="http://schemas.microsoft.com/office/drawing/2014/main" id="{D045BE81-9E48-4581-8FEC-3CF96AFB567D}"/>
               </a:ext>
             </a:extLst>
           </p:cNvPr>
@@ -5786,7 +5845,7 @@
             <a:spLocks noGrp="1"/>
           </p:cNvSpPr>
           <p:nvPr>
-            <p:ph type="body" sz="half" idx="2"/>
+            <p:ph type="body" sz="quarter" idx="16"/>
           </p:nvPr>
         </p:nvSpPr>
         <p:spPr/>
@@ -5794,14 +5853,48 @@
           <a:bodyPr/>
           <a:lstStyle/>
           <a:p>
-            <a:endParaRPr lang="en-IN"/>
+            <a:r>
+              <a:rPr lang="en-US" dirty="0"/>
+              <a:t>Anish Raghavendra</a:t>
+            </a:r>
+          </a:p>
+          <a:p>
+            <a:r>
+              <a:rPr lang="en-US" dirty="0"/>
+              <a:t>Ananya Elizabeth George</a:t>
+            </a:r>
+          </a:p>
+          <a:p>
+            <a:r>
+              <a:rPr lang="en-US" dirty="0" err="1"/>
+              <a:t>Raggav</a:t>
+            </a:r>
+            <a:r>
+              <a:rPr lang="en-US" dirty="0"/>
+              <a:t> Subramani</a:t>
+            </a:r>
+          </a:p>
+          <a:p>
+            <a:r>
+              <a:rPr lang="en-US" dirty="0" err="1"/>
+              <a:t>Rehaan</a:t>
+            </a:r>
+            <a:r>
+              <a:rPr lang="en-US" dirty="0"/>
+              <a:t> </a:t>
+            </a:r>
+            <a:r>
+              <a:rPr lang="en-US" dirty="0" err="1"/>
+              <a:t>Mazid</a:t>
+            </a:r>
+            <a:endParaRPr lang="en-IN" dirty="0"/>
           </a:p>
         </p:txBody>
       </p:sp>
     </p:spTree>
     <p:extLst>
       <p:ext uri="{BB962C8B-B14F-4D97-AF65-F5344CB8AC3E}">
-        <p14:creationId xmlns:p14="http://schemas.microsoft.com/office/powerpoint/2010/main" val="996934246"/>
+        <p14:creationId xmlns:p14="http://schemas.microsoft.com/office/powerpoint/2010/main" val="597225187"/>
       </p:ext>
     </p:extLst>
   </p:cSld>
